--- a/ppt 16-9/0929.精兵前进.pptx
+++ b/ppt 16-9/0929.精兵前进.pptx
@@ -5,7 +5,7 @@
     <p:sldMasterId id="2147483648" r:id="rId1"/>
   </p:sldMasterIdLst>
   <p:sldIdLst>
-    <p:sldId id="298" r:id="rId2"/>
+    <p:sldId id="300" r:id="rId2"/>
   </p:sldIdLst>
   <p:sldSz cx="12192000" cy="6858000"/>
   <p:notesSz cx="6858000" cy="9144000"/>
@@ -129,7 +129,7 @@
           <p:cNvPr id="2" name="标题 1">
             <a:extLst>
               <a:ext uri="{FF2B5EF4-FFF2-40B4-BE49-F238E27FC236}">
-                <a16:creationId xmlns:a16="http://schemas.microsoft.com/office/drawing/2014/main" id="{B69D2E48-BED3-32F0-66B1-D54904062183}"/>
+                <a16:creationId xmlns:a16="http://schemas.microsoft.com/office/drawing/2014/main" id="{ECE5A208-6A50-F33C-0B65-B251ABECABBC}"/>
               </a:ext>
             </a:extLst>
           </p:cNvPr>
@@ -166,7 +166,7 @@
           <p:cNvPr id="3" name="副标题 2">
             <a:extLst>
               <a:ext uri="{FF2B5EF4-FFF2-40B4-BE49-F238E27FC236}">
-                <a16:creationId xmlns:a16="http://schemas.microsoft.com/office/drawing/2014/main" id="{E35970E3-FF81-3C2F-6184-C219815F5D0D}"/>
+                <a16:creationId xmlns:a16="http://schemas.microsoft.com/office/drawing/2014/main" id="{9CB28754-AAAA-05BD-1A03-DF4981F8B0D3}"/>
               </a:ext>
             </a:extLst>
           </p:cNvPr>
@@ -236,7 +236,7 @@
           <p:cNvPr id="4" name="日期占位符 3">
             <a:extLst>
               <a:ext uri="{FF2B5EF4-FFF2-40B4-BE49-F238E27FC236}">
-                <a16:creationId xmlns:a16="http://schemas.microsoft.com/office/drawing/2014/main" id="{9CA279C0-B7F2-A403-347A-672442F3F587}"/>
+                <a16:creationId xmlns:a16="http://schemas.microsoft.com/office/drawing/2014/main" id="{9314FD47-001A-D183-2844-90455277D677}"/>
               </a:ext>
             </a:extLst>
           </p:cNvPr>
@@ -252,7 +252,7 @@
           <a:bodyPr/>
           <a:lstStyle/>
           <a:p>
-            <a:fld id="{B4E3C4B4-5168-437A-A3D7-CD95F237B45B}" type="datetimeFigureOut">
+            <a:fld id="{31C6EEA4-0674-4C47-BD0A-3048059AAB36}" type="datetimeFigureOut">
               <a:rPr lang="zh-CN" altLang="en-US" smtClean="0"/>
               <a:t>2024/3/10</a:t>
             </a:fld>
@@ -265,7 +265,7 @@
           <p:cNvPr id="5" name="页脚占位符 4">
             <a:extLst>
               <a:ext uri="{FF2B5EF4-FFF2-40B4-BE49-F238E27FC236}">
-                <a16:creationId xmlns:a16="http://schemas.microsoft.com/office/drawing/2014/main" id="{06F385A6-891D-063C-ABED-1B48B209DDEA}"/>
+                <a16:creationId xmlns:a16="http://schemas.microsoft.com/office/drawing/2014/main" id="{09C402A3-9649-8C29-D23A-B258251A6C16}"/>
               </a:ext>
             </a:extLst>
           </p:cNvPr>
@@ -290,7 +290,7 @@
           <p:cNvPr id="6" name="灯片编号占位符 5">
             <a:extLst>
               <a:ext uri="{FF2B5EF4-FFF2-40B4-BE49-F238E27FC236}">
-                <a16:creationId xmlns:a16="http://schemas.microsoft.com/office/drawing/2014/main" id="{46550A43-1876-DE67-9B32-BEB344A77285}"/>
+                <a16:creationId xmlns:a16="http://schemas.microsoft.com/office/drawing/2014/main" id="{6D2DF957-EE89-7DD2-5948-1F690A2A8DF1}"/>
               </a:ext>
             </a:extLst>
           </p:cNvPr>
@@ -306,7 +306,7 @@
           <a:bodyPr/>
           <a:lstStyle/>
           <a:p>
-            <a:fld id="{4CB3653A-FA7E-4E00-8012-491145B9661B}" type="slidenum">
+            <a:fld id="{5EE4C0EC-27C2-4152-9C2A-49CDAFF0034A}" type="slidenum">
               <a:rPr lang="zh-CN" altLang="en-US" smtClean="0"/>
               <a:t>‹#›</a:t>
             </a:fld>
@@ -317,7 +317,7 @@
     </p:spTree>
     <p:extLst>
       <p:ext uri="{BB962C8B-B14F-4D97-AF65-F5344CB8AC3E}">
-        <p14:creationId xmlns:p14="http://schemas.microsoft.com/office/powerpoint/2010/main" val="361800553"/>
+        <p14:creationId xmlns:p14="http://schemas.microsoft.com/office/powerpoint/2010/main" val="543744630"/>
       </p:ext>
     </p:extLst>
   </p:cSld>
@@ -349,7 +349,7 @@
           <p:cNvPr id="2" name="标题 1">
             <a:extLst>
               <a:ext uri="{FF2B5EF4-FFF2-40B4-BE49-F238E27FC236}">
-                <a16:creationId xmlns:a16="http://schemas.microsoft.com/office/drawing/2014/main" id="{1632167A-59F9-B790-8B97-1D3A6614D430}"/>
+                <a16:creationId xmlns:a16="http://schemas.microsoft.com/office/drawing/2014/main" id="{FAAC2EAC-2664-CF2A-7AE8-22D7A2F0999F}"/>
               </a:ext>
             </a:extLst>
           </p:cNvPr>
@@ -377,7 +377,7 @@
           <p:cNvPr id="3" name="竖排文字占位符 2">
             <a:extLst>
               <a:ext uri="{FF2B5EF4-FFF2-40B4-BE49-F238E27FC236}">
-                <a16:creationId xmlns:a16="http://schemas.microsoft.com/office/drawing/2014/main" id="{80A15291-E624-0B2C-216A-2D1BF537576B}"/>
+                <a16:creationId xmlns:a16="http://schemas.microsoft.com/office/drawing/2014/main" id="{C4898FC4-36ED-967F-847F-F31DE2B4CEE5}"/>
               </a:ext>
             </a:extLst>
           </p:cNvPr>
@@ -434,7 +434,7 @@
           <p:cNvPr id="4" name="日期占位符 3">
             <a:extLst>
               <a:ext uri="{FF2B5EF4-FFF2-40B4-BE49-F238E27FC236}">
-                <a16:creationId xmlns:a16="http://schemas.microsoft.com/office/drawing/2014/main" id="{17910E2A-33D8-D296-F26F-009B7A287C47}"/>
+                <a16:creationId xmlns:a16="http://schemas.microsoft.com/office/drawing/2014/main" id="{60C656D2-F938-0CF0-603F-6C31F0302C9B}"/>
               </a:ext>
             </a:extLst>
           </p:cNvPr>
@@ -450,7 +450,7 @@
           <a:bodyPr/>
           <a:lstStyle/>
           <a:p>
-            <a:fld id="{B4E3C4B4-5168-437A-A3D7-CD95F237B45B}" type="datetimeFigureOut">
+            <a:fld id="{31C6EEA4-0674-4C47-BD0A-3048059AAB36}" type="datetimeFigureOut">
               <a:rPr lang="zh-CN" altLang="en-US" smtClean="0"/>
               <a:t>2024/3/10</a:t>
             </a:fld>
@@ -463,7 +463,7 @@
           <p:cNvPr id="5" name="页脚占位符 4">
             <a:extLst>
               <a:ext uri="{FF2B5EF4-FFF2-40B4-BE49-F238E27FC236}">
-                <a16:creationId xmlns:a16="http://schemas.microsoft.com/office/drawing/2014/main" id="{418B3D4D-F3F6-F545-4CD2-81E51034B404}"/>
+                <a16:creationId xmlns:a16="http://schemas.microsoft.com/office/drawing/2014/main" id="{E6696453-ABB6-5923-88FC-58A0DA2C80BB}"/>
               </a:ext>
             </a:extLst>
           </p:cNvPr>
@@ -488,7 +488,7 @@
           <p:cNvPr id="6" name="灯片编号占位符 5">
             <a:extLst>
               <a:ext uri="{FF2B5EF4-FFF2-40B4-BE49-F238E27FC236}">
-                <a16:creationId xmlns:a16="http://schemas.microsoft.com/office/drawing/2014/main" id="{A7CFDBE7-1DC4-68CF-FB65-FD22709F2435}"/>
+                <a16:creationId xmlns:a16="http://schemas.microsoft.com/office/drawing/2014/main" id="{F47DE1B5-1180-A482-CD59-73210452A9EF}"/>
               </a:ext>
             </a:extLst>
           </p:cNvPr>
@@ -504,7 +504,7 @@
           <a:bodyPr/>
           <a:lstStyle/>
           <a:p>
-            <a:fld id="{4CB3653A-FA7E-4E00-8012-491145B9661B}" type="slidenum">
+            <a:fld id="{5EE4C0EC-27C2-4152-9C2A-49CDAFF0034A}" type="slidenum">
               <a:rPr lang="zh-CN" altLang="en-US" smtClean="0"/>
               <a:t>‹#›</a:t>
             </a:fld>
@@ -515,7 +515,7 @@
     </p:spTree>
     <p:extLst>
       <p:ext uri="{BB962C8B-B14F-4D97-AF65-F5344CB8AC3E}">
-        <p14:creationId xmlns:p14="http://schemas.microsoft.com/office/powerpoint/2010/main" val="1483348287"/>
+        <p14:creationId xmlns:p14="http://schemas.microsoft.com/office/powerpoint/2010/main" val="3977541263"/>
       </p:ext>
     </p:extLst>
   </p:cSld>
@@ -547,7 +547,7 @@
           <p:cNvPr id="2" name="竖排标题 1">
             <a:extLst>
               <a:ext uri="{FF2B5EF4-FFF2-40B4-BE49-F238E27FC236}">
-                <a16:creationId xmlns:a16="http://schemas.microsoft.com/office/drawing/2014/main" id="{075EFB56-2582-7BFE-2DA8-9220893AE357}"/>
+                <a16:creationId xmlns:a16="http://schemas.microsoft.com/office/drawing/2014/main" id="{440D0BB4-4888-2987-938A-EC565A3B818E}"/>
               </a:ext>
             </a:extLst>
           </p:cNvPr>
@@ -580,7 +580,7 @@
           <p:cNvPr id="3" name="竖排文字占位符 2">
             <a:extLst>
               <a:ext uri="{FF2B5EF4-FFF2-40B4-BE49-F238E27FC236}">
-                <a16:creationId xmlns:a16="http://schemas.microsoft.com/office/drawing/2014/main" id="{44C5C4F2-32BD-A715-ECC9-5A36580D8627}"/>
+                <a16:creationId xmlns:a16="http://schemas.microsoft.com/office/drawing/2014/main" id="{6C77DC75-C412-1D6F-7C6B-63FD80F1C4EE}"/>
               </a:ext>
             </a:extLst>
           </p:cNvPr>
@@ -642,7 +642,7 @@
           <p:cNvPr id="4" name="日期占位符 3">
             <a:extLst>
               <a:ext uri="{FF2B5EF4-FFF2-40B4-BE49-F238E27FC236}">
-                <a16:creationId xmlns:a16="http://schemas.microsoft.com/office/drawing/2014/main" id="{0EA07A04-7C99-D1A5-6940-44091C499E97}"/>
+                <a16:creationId xmlns:a16="http://schemas.microsoft.com/office/drawing/2014/main" id="{391F729E-B61F-1ACE-AF18-B813F7CB004B}"/>
               </a:ext>
             </a:extLst>
           </p:cNvPr>
@@ -658,7 +658,7 @@
           <a:bodyPr/>
           <a:lstStyle/>
           <a:p>
-            <a:fld id="{B4E3C4B4-5168-437A-A3D7-CD95F237B45B}" type="datetimeFigureOut">
+            <a:fld id="{31C6EEA4-0674-4C47-BD0A-3048059AAB36}" type="datetimeFigureOut">
               <a:rPr lang="zh-CN" altLang="en-US" smtClean="0"/>
               <a:t>2024/3/10</a:t>
             </a:fld>
@@ -671,7 +671,7 @@
           <p:cNvPr id="5" name="页脚占位符 4">
             <a:extLst>
               <a:ext uri="{FF2B5EF4-FFF2-40B4-BE49-F238E27FC236}">
-                <a16:creationId xmlns:a16="http://schemas.microsoft.com/office/drawing/2014/main" id="{FD4FD2AC-8C1C-F15F-AA2D-119D9FB52F4E}"/>
+                <a16:creationId xmlns:a16="http://schemas.microsoft.com/office/drawing/2014/main" id="{410FE198-7413-E27C-CF35-D329FAB7AAAB}"/>
               </a:ext>
             </a:extLst>
           </p:cNvPr>
@@ -696,7 +696,7 @@
           <p:cNvPr id="6" name="灯片编号占位符 5">
             <a:extLst>
               <a:ext uri="{FF2B5EF4-FFF2-40B4-BE49-F238E27FC236}">
-                <a16:creationId xmlns:a16="http://schemas.microsoft.com/office/drawing/2014/main" id="{086D66B8-A4A6-77D9-EF67-E8BB048186B1}"/>
+                <a16:creationId xmlns:a16="http://schemas.microsoft.com/office/drawing/2014/main" id="{9771AEDD-F483-8553-78C1-4A925757BEFF}"/>
               </a:ext>
             </a:extLst>
           </p:cNvPr>
@@ -712,7 +712,7 @@
           <a:bodyPr/>
           <a:lstStyle/>
           <a:p>
-            <a:fld id="{4CB3653A-FA7E-4E00-8012-491145B9661B}" type="slidenum">
+            <a:fld id="{5EE4C0EC-27C2-4152-9C2A-49CDAFF0034A}" type="slidenum">
               <a:rPr lang="zh-CN" altLang="en-US" smtClean="0"/>
               <a:t>‹#›</a:t>
             </a:fld>
@@ -723,7 +723,7 @@
     </p:spTree>
     <p:extLst>
       <p:ext uri="{BB962C8B-B14F-4D97-AF65-F5344CB8AC3E}">
-        <p14:creationId xmlns:p14="http://schemas.microsoft.com/office/powerpoint/2010/main" val="3422196825"/>
+        <p14:creationId xmlns:p14="http://schemas.microsoft.com/office/powerpoint/2010/main" val="2979285939"/>
       </p:ext>
     </p:extLst>
   </p:cSld>
@@ -755,7 +755,7 @@
           <p:cNvPr id="2" name="标题 1">
             <a:extLst>
               <a:ext uri="{FF2B5EF4-FFF2-40B4-BE49-F238E27FC236}">
-                <a16:creationId xmlns:a16="http://schemas.microsoft.com/office/drawing/2014/main" id="{EEED2772-4265-B4FC-1130-371B017FBA4F}"/>
+                <a16:creationId xmlns:a16="http://schemas.microsoft.com/office/drawing/2014/main" id="{0E7BDD95-431C-B907-580C-B8E94A5D3BD0}"/>
               </a:ext>
             </a:extLst>
           </p:cNvPr>
@@ -783,7 +783,7 @@
           <p:cNvPr id="3" name="内容占位符 2">
             <a:extLst>
               <a:ext uri="{FF2B5EF4-FFF2-40B4-BE49-F238E27FC236}">
-                <a16:creationId xmlns:a16="http://schemas.microsoft.com/office/drawing/2014/main" id="{9DC716BD-95A7-ACD3-4448-F82FD3DA9E7C}"/>
+                <a16:creationId xmlns:a16="http://schemas.microsoft.com/office/drawing/2014/main" id="{2C22705C-A45D-3108-C5EA-310D5929AEE6}"/>
               </a:ext>
             </a:extLst>
           </p:cNvPr>
@@ -840,7 +840,7 @@
           <p:cNvPr id="4" name="日期占位符 3">
             <a:extLst>
               <a:ext uri="{FF2B5EF4-FFF2-40B4-BE49-F238E27FC236}">
-                <a16:creationId xmlns:a16="http://schemas.microsoft.com/office/drawing/2014/main" id="{8AD5D3D0-F9EA-DF45-D089-EF6D5190B933}"/>
+                <a16:creationId xmlns:a16="http://schemas.microsoft.com/office/drawing/2014/main" id="{4D960846-67C4-C7B3-7C01-C3B0E009FF21}"/>
               </a:ext>
             </a:extLst>
           </p:cNvPr>
@@ -856,7 +856,7 @@
           <a:bodyPr/>
           <a:lstStyle/>
           <a:p>
-            <a:fld id="{B4E3C4B4-5168-437A-A3D7-CD95F237B45B}" type="datetimeFigureOut">
+            <a:fld id="{31C6EEA4-0674-4C47-BD0A-3048059AAB36}" type="datetimeFigureOut">
               <a:rPr lang="zh-CN" altLang="en-US" smtClean="0"/>
               <a:t>2024/3/10</a:t>
             </a:fld>
@@ -869,7 +869,7 @@
           <p:cNvPr id="5" name="页脚占位符 4">
             <a:extLst>
               <a:ext uri="{FF2B5EF4-FFF2-40B4-BE49-F238E27FC236}">
-                <a16:creationId xmlns:a16="http://schemas.microsoft.com/office/drawing/2014/main" id="{A2F68BD3-0FF8-97E3-905A-45014DE91997}"/>
+                <a16:creationId xmlns:a16="http://schemas.microsoft.com/office/drawing/2014/main" id="{BF26BE6A-FE1F-ED7E-CB50-9C214075BAB1}"/>
               </a:ext>
             </a:extLst>
           </p:cNvPr>
@@ -894,7 +894,7 @@
           <p:cNvPr id="6" name="灯片编号占位符 5">
             <a:extLst>
               <a:ext uri="{FF2B5EF4-FFF2-40B4-BE49-F238E27FC236}">
-                <a16:creationId xmlns:a16="http://schemas.microsoft.com/office/drawing/2014/main" id="{4A532C96-A4DD-490A-2DD0-A1C7AB951F3F}"/>
+                <a16:creationId xmlns:a16="http://schemas.microsoft.com/office/drawing/2014/main" id="{46A6570A-9867-802C-BF6D-F70B0245E3C1}"/>
               </a:ext>
             </a:extLst>
           </p:cNvPr>
@@ -910,7 +910,7 @@
           <a:bodyPr/>
           <a:lstStyle/>
           <a:p>
-            <a:fld id="{4CB3653A-FA7E-4E00-8012-491145B9661B}" type="slidenum">
+            <a:fld id="{5EE4C0EC-27C2-4152-9C2A-49CDAFF0034A}" type="slidenum">
               <a:rPr lang="zh-CN" altLang="en-US" smtClean="0"/>
               <a:t>‹#›</a:t>
             </a:fld>
@@ -921,7 +921,7 @@
     </p:spTree>
     <p:extLst>
       <p:ext uri="{BB962C8B-B14F-4D97-AF65-F5344CB8AC3E}">
-        <p14:creationId xmlns:p14="http://schemas.microsoft.com/office/powerpoint/2010/main" val="4244950138"/>
+        <p14:creationId xmlns:p14="http://schemas.microsoft.com/office/powerpoint/2010/main" val="611841545"/>
       </p:ext>
     </p:extLst>
   </p:cSld>
@@ -953,7 +953,7 @@
           <p:cNvPr id="2" name="标题 1">
             <a:extLst>
               <a:ext uri="{FF2B5EF4-FFF2-40B4-BE49-F238E27FC236}">
-                <a16:creationId xmlns:a16="http://schemas.microsoft.com/office/drawing/2014/main" id="{0B0F66F2-C2E9-505B-E8D1-EE30F99CF24B}"/>
+                <a16:creationId xmlns:a16="http://schemas.microsoft.com/office/drawing/2014/main" id="{4E6BF239-E9B1-73C2-501B-B648185792FF}"/>
               </a:ext>
             </a:extLst>
           </p:cNvPr>
@@ -990,7 +990,7 @@
           <p:cNvPr id="3" name="文本占位符 2">
             <a:extLst>
               <a:ext uri="{FF2B5EF4-FFF2-40B4-BE49-F238E27FC236}">
-                <a16:creationId xmlns:a16="http://schemas.microsoft.com/office/drawing/2014/main" id="{1D957A19-7760-95EE-D192-4DA38DDDE77C}"/>
+                <a16:creationId xmlns:a16="http://schemas.microsoft.com/office/drawing/2014/main" id="{A72BFBF2-91D3-D1BF-B0E1-FE842804B0F1}"/>
               </a:ext>
             </a:extLst>
           </p:cNvPr>
@@ -1115,7 +1115,7 @@
           <p:cNvPr id="4" name="日期占位符 3">
             <a:extLst>
               <a:ext uri="{FF2B5EF4-FFF2-40B4-BE49-F238E27FC236}">
-                <a16:creationId xmlns:a16="http://schemas.microsoft.com/office/drawing/2014/main" id="{7AC75E9C-22D6-B6EC-4752-A3317961423D}"/>
+                <a16:creationId xmlns:a16="http://schemas.microsoft.com/office/drawing/2014/main" id="{AA41588E-CBFB-13C6-F728-AB6FBD6C1291}"/>
               </a:ext>
             </a:extLst>
           </p:cNvPr>
@@ -1131,7 +1131,7 @@
           <a:bodyPr/>
           <a:lstStyle/>
           <a:p>
-            <a:fld id="{B4E3C4B4-5168-437A-A3D7-CD95F237B45B}" type="datetimeFigureOut">
+            <a:fld id="{31C6EEA4-0674-4C47-BD0A-3048059AAB36}" type="datetimeFigureOut">
               <a:rPr lang="zh-CN" altLang="en-US" smtClean="0"/>
               <a:t>2024/3/10</a:t>
             </a:fld>
@@ -1144,7 +1144,7 @@
           <p:cNvPr id="5" name="页脚占位符 4">
             <a:extLst>
               <a:ext uri="{FF2B5EF4-FFF2-40B4-BE49-F238E27FC236}">
-                <a16:creationId xmlns:a16="http://schemas.microsoft.com/office/drawing/2014/main" id="{D57193A7-2E2B-E49D-0BD6-DE64B63661B9}"/>
+                <a16:creationId xmlns:a16="http://schemas.microsoft.com/office/drawing/2014/main" id="{63E97192-5821-5E17-6182-650A0C396667}"/>
               </a:ext>
             </a:extLst>
           </p:cNvPr>
@@ -1169,7 +1169,7 @@
           <p:cNvPr id="6" name="灯片编号占位符 5">
             <a:extLst>
               <a:ext uri="{FF2B5EF4-FFF2-40B4-BE49-F238E27FC236}">
-                <a16:creationId xmlns:a16="http://schemas.microsoft.com/office/drawing/2014/main" id="{58ACBAF1-FB21-3B35-30AE-9821B705F44E}"/>
+                <a16:creationId xmlns:a16="http://schemas.microsoft.com/office/drawing/2014/main" id="{832209E6-F700-8C5D-B46E-8F1A18C890FF}"/>
               </a:ext>
             </a:extLst>
           </p:cNvPr>
@@ -1185,7 +1185,7 @@
           <a:bodyPr/>
           <a:lstStyle/>
           <a:p>
-            <a:fld id="{4CB3653A-FA7E-4E00-8012-491145B9661B}" type="slidenum">
+            <a:fld id="{5EE4C0EC-27C2-4152-9C2A-49CDAFF0034A}" type="slidenum">
               <a:rPr lang="zh-CN" altLang="en-US" smtClean="0"/>
               <a:t>‹#›</a:t>
             </a:fld>
@@ -1196,7 +1196,7 @@
     </p:spTree>
     <p:extLst>
       <p:ext uri="{BB962C8B-B14F-4D97-AF65-F5344CB8AC3E}">
-        <p14:creationId xmlns:p14="http://schemas.microsoft.com/office/powerpoint/2010/main" val="1617954279"/>
+        <p14:creationId xmlns:p14="http://schemas.microsoft.com/office/powerpoint/2010/main" val="465306801"/>
       </p:ext>
     </p:extLst>
   </p:cSld>
@@ -1228,7 +1228,7 @@
           <p:cNvPr id="2" name="标题 1">
             <a:extLst>
               <a:ext uri="{FF2B5EF4-FFF2-40B4-BE49-F238E27FC236}">
-                <a16:creationId xmlns:a16="http://schemas.microsoft.com/office/drawing/2014/main" id="{628177F1-18CE-CF55-9777-E608D2B2B12E}"/>
+                <a16:creationId xmlns:a16="http://schemas.microsoft.com/office/drawing/2014/main" id="{0F8D53F5-B4C5-4844-6592-2E597E2C217C}"/>
               </a:ext>
             </a:extLst>
           </p:cNvPr>
@@ -1256,7 +1256,7 @@
           <p:cNvPr id="3" name="内容占位符 2">
             <a:extLst>
               <a:ext uri="{FF2B5EF4-FFF2-40B4-BE49-F238E27FC236}">
-                <a16:creationId xmlns:a16="http://schemas.microsoft.com/office/drawing/2014/main" id="{9EC42542-5756-4C3C-B1FC-B7E24C847965}"/>
+                <a16:creationId xmlns:a16="http://schemas.microsoft.com/office/drawing/2014/main" id="{95208A92-64F9-0353-5294-BFD2C368AD9D}"/>
               </a:ext>
             </a:extLst>
           </p:cNvPr>
@@ -1318,7 +1318,7 @@
           <p:cNvPr id="4" name="内容占位符 3">
             <a:extLst>
               <a:ext uri="{FF2B5EF4-FFF2-40B4-BE49-F238E27FC236}">
-                <a16:creationId xmlns:a16="http://schemas.microsoft.com/office/drawing/2014/main" id="{382E5AB8-4103-B31C-4A27-D7DB057C8456}"/>
+                <a16:creationId xmlns:a16="http://schemas.microsoft.com/office/drawing/2014/main" id="{DCF4F021-2B77-A7F8-C5A7-13CDAC22617A}"/>
               </a:ext>
             </a:extLst>
           </p:cNvPr>
@@ -1380,7 +1380,7 @@
           <p:cNvPr id="5" name="日期占位符 4">
             <a:extLst>
               <a:ext uri="{FF2B5EF4-FFF2-40B4-BE49-F238E27FC236}">
-                <a16:creationId xmlns:a16="http://schemas.microsoft.com/office/drawing/2014/main" id="{8BF532E2-76A9-6FF0-3DD8-658EDE4EFBE2}"/>
+                <a16:creationId xmlns:a16="http://schemas.microsoft.com/office/drawing/2014/main" id="{6B99414B-9610-D88B-5B65-C058CA28E334}"/>
               </a:ext>
             </a:extLst>
           </p:cNvPr>
@@ -1396,7 +1396,7 @@
           <a:bodyPr/>
           <a:lstStyle/>
           <a:p>
-            <a:fld id="{B4E3C4B4-5168-437A-A3D7-CD95F237B45B}" type="datetimeFigureOut">
+            <a:fld id="{31C6EEA4-0674-4C47-BD0A-3048059AAB36}" type="datetimeFigureOut">
               <a:rPr lang="zh-CN" altLang="en-US" smtClean="0"/>
               <a:t>2024/3/10</a:t>
             </a:fld>
@@ -1409,7 +1409,7 @@
           <p:cNvPr id="6" name="页脚占位符 5">
             <a:extLst>
               <a:ext uri="{FF2B5EF4-FFF2-40B4-BE49-F238E27FC236}">
-                <a16:creationId xmlns:a16="http://schemas.microsoft.com/office/drawing/2014/main" id="{0D42466D-38E2-05DE-7871-633671C6C52D}"/>
+                <a16:creationId xmlns:a16="http://schemas.microsoft.com/office/drawing/2014/main" id="{8AB86752-F895-B88D-D231-2DA33B1C1106}"/>
               </a:ext>
             </a:extLst>
           </p:cNvPr>
@@ -1434,7 +1434,7 @@
           <p:cNvPr id="7" name="灯片编号占位符 6">
             <a:extLst>
               <a:ext uri="{FF2B5EF4-FFF2-40B4-BE49-F238E27FC236}">
-                <a16:creationId xmlns:a16="http://schemas.microsoft.com/office/drawing/2014/main" id="{3143653B-AC6C-7FA9-6E09-1B947EC3CE5E}"/>
+                <a16:creationId xmlns:a16="http://schemas.microsoft.com/office/drawing/2014/main" id="{3DF520B8-2E75-C817-EBEA-47F137C48DFD}"/>
               </a:ext>
             </a:extLst>
           </p:cNvPr>
@@ -1450,7 +1450,7 @@
           <a:bodyPr/>
           <a:lstStyle/>
           <a:p>
-            <a:fld id="{4CB3653A-FA7E-4E00-8012-491145B9661B}" type="slidenum">
+            <a:fld id="{5EE4C0EC-27C2-4152-9C2A-49CDAFF0034A}" type="slidenum">
               <a:rPr lang="zh-CN" altLang="en-US" smtClean="0"/>
               <a:t>‹#›</a:t>
             </a:fld>
@@ -1461,7 +1461,7 @@
     </p:spTree>
     <p:extLst>
       <p:ext uri="{BB962C8B-B14F-4D97-AF65-F5344CB8AC3E}">
-        <p14:creationId xmlns:p14="http://schemas.microsoft.com/office/powerpoint/2010/main" val="1373168389"/>
+        <p14:creationId xmlns:p14="http://schemas.microsoft.com/office/powerpoint/2010/main" val="2075398866"/>
       </p:ext>
     </p:extLst>
   </p:cSld>
@@ -1493,7 +1493,7 @@
           <p:cNvPr id="2" name="标题 1">
             <a:extLst>
               <a:ext uri="{FF2B5EF4-FFF2-40B4-BE49-F238E27FC236}">
-                <a16:creationId xmlns:a16="http://schemas.microsoft.com/office/drawing/2014/main" id="{531554FD-C3AD-A060-E758-406E8BC706B9}"/>
+                <a16:creationId xmlns:a16="http://schemas.microsoft.com/office/drawing/2014/main" id="{65BD42CF-1917-58BC-B9E7-FDAED5733A79}"/>
               </a:ext>
             </a:extLst>
           </p:cNvPr>
@@ -1526,7 +1526,7 @@
           <p:cNvPr id="3" name="文本占位符 2">
             <a:extLst>
               <a:ext uri="{FF2B5EF4-FFF2-40B4-BE49-F238E27FC236}">
-                <a16:creationId xmlns:a16="http://schemas.microsoft.com/office/drawing/2014/main" id="{44DFA81F-DB35-4D0C-8E86-0E81A3B976B1}"/>
+                <a16:creationId xmlns:a16="http://schemas.microsoft.com/office/drawing/2014/main" id="{632C16F5-720C-989B-1B7F-61E9563B9084}"/>
               </a:ext>
             </a:extLst>
           </p:cNvPr>
@@ -1597,7 +1597,7 @@
           <p:cNvPr id="4" name="内容占位符 3">
             <a:extLst>
               <a:ext uri="{FF2B5EF4-FFF2-40B4-BE49-F238E27FC236}">
-                <a16:creationId xmlns:a16="http://schemas.microsoft.com/office/drawing/2014/main" id="{895648BF-5B3E-4DED-EAD9-ACE249D41A4F}"/>
+                <a16:creationId xmlns:a16="http://schemas.microsoft.com/office/drawing/2014/main" id="{F84F1E97-583D-8DA4-14BD-4B7ADA2992E3}"/>
               </a:ext>
             </a:extLst>
           </p:cNvPr>
@@ -1659,7 +1659,7 @@
           <p:cNvPr id="5" name="文本占位符 4">
             <a:extLst>
               <a:ext uri="{FF2B5EF4-FFF2-40B4-BE49-F238E27FC236}">
-                <a16:creationId xmlns:a16="http://schemas.microsoft.com/office/drawing/2014/main" id="{5D87A7EA-5D0B-18B2-3A68-121A21FE5C09}"/>
+                <a16:creationId xmlns:a16="http://schemas.microsoft.com/office/drawing/2014/main" id="{698EE4D8-E817-D15F-069F-90A75EADDA89}"/>
               </a:ext>
             </a:extLst>
           </p:cNvPr>
@@ -1730,7 +1730,7 @@
           <p:cNvPr id="6" name="内容占位符 5">
             <a:extLst>
               <a:ext uri="{FF2B5EF4-FFF2-40B4-BE49-F238E27FC236}">
-                <a16:creationId xmlns:a16="http://schemas.microsoft.com/office/drawing/2014/main" id="{4EED72D4-EC49-5E89-908F-0E0379630525}"/>
+                <a16:creationId xmlns:a16="http://schemas.microsoft.com/office/drawing/2014/main" id="{7FD8B682-D23C-F077-6BD1-359552D9F3CE}"/>
               </a:ext>
             </a:extLst>
           </p:cNvPr>
@@ -1792,7 +1792,7 @@
           <p:cNvPr id="7" name="日期占位符 6">
             <a:extLst>
               <a:ext uri="{FF2B5EF4-FFF2-40B4-BE49-F238E27FC236}">
-                <a16:creationId xmlns:a16="http://schemas.microsoft.com/office/drawing/2014/main" id="{06DECDEE-E52D-CC20-D1D1-F96E75172418}"/>
+                <a16:creationId xmlns:a16="http://schemas.microsoft.com/office/drawing/2014/main" id="{8780230D-DA28-7F62-9F10-5E00AC787857}"/>
               </a:ext>
             </a:extLst>
           </p:cNvPr>
@@ -1808,7 +1808,7 @@
           <a:bodyPr/>
           <a:lstStyle/>
           <a:p>
-            <a:fld id="{B4E3C4B4-5168-437A-A3D7-CD95F237B45B}" type="datetimeFigureOut">
+            <a:fld id="{31C6EEA4-0674-4C47-BD0A-3048059AAB36}" type="datetimeFigureOut">
               <a:rPr lang="zh-CN" altLang="en-US" smtClean="0"/>
               <a:t>2024/3/10</a:t>
             </a:fld>
@@ -1821,7 +1821,7 @@
           <p:cNvPr id="8" name="页脚占位符 7">
             <a:extLst>
               <a:ext uri="{FF2B5EF4-FFF2-40B4-BE49-F238E27FC236}">
-                <a16:creationId xmlns:a16="http://schemas.microsoft.com/office/drawing/2014/main" id="{FB50B5C3-9C67-9519-05CE-32D50C66AEB5}"/>
+                <a16:creationId xmlns:a16="http://schemas.microsoft.com/office/drawing/2014/main" id="{6F542B57-C54A-90A7-0998-FC59C82EE97D}"/>
               </a:ext>
             </a:extLst>
           </p:cNvPr>
@@ -1846,7 +1846,7 @@
           <p:cNvPr id="9" name="灯片编号占位符 8">
             <a:extLst>
               <a:ext uri="{FF2B5EF4-FFF2-40B4-BE49-F238E27FC236}">
-                <a16:creationId xmlns:a16="http://schemas.microsoft.com/office/drawing/2014/main" id="{DF265481-CD08-0FE0-6B91-3DD2183D513A}"/>
+                <a16:creationId xmlns:a16="http://schemas.microsoft.com/office/drawing/2014/main" id="{6D92AA7B-6AE2-7118-1EAB-2532DC5D22C1}"/>
               </a:ext>
             </a:extLst>
           </p:cNvPr>
@@ -1862,7 +1862,7 @@
           <a:bodyPr/>
           <a:lstStyle/>
           <a:p>
-            <a:fld id="{4CB3653A-FA7E-4E00-8012-491145B9661B}" type="slidenum">
+            <a:fld id="{5EE4C0EC-27C2-4152-9C2A-49CDAFF0034A}" type="slidenum">
               <a:rPr lang="zh-CN" altLang="en-US" smtClean="0"/>
               <a:t>‹#›</a:t>
             </a:fld>
@@ -1873,7 +1873,7 @@
     </p:spTree>
     <p:extLst>
       <p:ext uri="{BB962C8B-B14F-4D97-AF65-F5344CB8AC3E}">
-        <p14:creationId xmlns:p14="http://schemas.microsoft.com/office/powerpoint/2010/main" val="1315053477"/>
+        <p14:creationId xmlns:p14="http://schemas.microsoft.com/office/powerpoint/2010/main" val="1653560545"/>
       </p:ext>
     </p:extLst>
   </p:cSld>
@@ -1905,7 +1905,7 @@
           <p:cNvPr id="2" name="标题 1">
             <a:extLst>
               <a:ext uri="{FF2B5EF4-FFF2-40B4-BE49-F238E27FC236}">
-                <a16:creationId xmlns:a16="http://schemas.microsoft.com/office/drawing/2014/main" id="{A61A7AA4-4EBA-9ED4-863E-1B34A7583291}"/>
+                <a16:creationId xmlns:a16="http://schemas.microsoft.com/office/drawing/2014/main" id="{3C7B19FF-FCBC-C158-D52B-69A343B91F25}"/>
               </a:ext>
             </a:extLst>
           </p:cNvPr>
@@ -1933,7 +1933,7 @@
           <p:cNvPr id="3" name="日期占位符 2">
             <a:extLst>
               <a:ext uri="{FF2B5EF4-FFF2-40B4-BE49-F238E27FC236}">
-                <a16:creationId xmlns:a16="http://schemas.microsoft.com/office/drawing/2014/main" id="{4C8B574F-7E4B-2D1E-190F-553E2C686F59}"/>
+                <a16:creationId xmlns:a16="http://schemas.microsoft.com/office/drawing/2014/main" id="{38448B48-4790-FF60-8660-F55C0AD9832B}"/>
               </a:ext>
             </a:extLst>
           </p:cNvPr>
@@ -1949,7 +1949,7 @@
           <a:bodyPr/>
           <a:lstStyle/>
           <a:p>
-            <a:fld id="{B4E3C4B4-5168-437A-A3D7-CD95F237B45B}" type="datetimeFigureOut">
+            <a:fld id="{31C6EEA4-0674-4C47-BD0A-3048059AAB36}" type="datetimeFigureOut">
               <a:rPr lang="zh-CN" altLang="en-US" smtClean="0"/>
               <a:t>2024/3/10</a:t>
             </a:fld>
@@ -1962,7 +1962,7 @@
           <p:cNvPr id="4" name="页脚占位符 3">
             <a:extLst>
               <a:ext uri="{FF2B5EF4-FFF2-40B4-BE49-F238E27FC236}">
-                <a16:creationId xmlns:a16="http://schemas.microsoft.com/office/drawing/2014/main" id="{A0157A08-5462-9DA2-AAD9-652C6231F3CB}"/>
+                <a16:creationId xmlns:a16="http://schemas.microsoft.com/office/drawing/2014/main" id="{A67EB83D-A25F-F7EA-FEEC-51F88368F90F}"/>
               </a:ext>
             </a:extLst>
           </p:cNvPr>
@@ -1987,7 +1987,7 @@
           <p:cNvPr id="5" name="灯片编号占位符 4">
             <a:extLst>
               <a:ext uri="{FF2B5EF4-FFF2-40B4-BE49-F238E27FC236}">
-                <a16:creationId xmlns:a16="http://schemas.microsoft.com/office/drawing/2014/main" id="{DBF5D26C-295C-9BF2-F365-042B16FDB7AB}"/>
+                <a16:creationId xmlns:a16="http://schemas.microsoft.com/office/drawing/2014/main" id="{90B06461-B2E5-42D5-0551-22967072092D}"/>
               </a:ext>
             </a:extLst>
           </p:cNvPr>
@@ -2003,7 +2003,7 @@
           <a:bodyPr/>
           <a:lstStyle/>
           <a:p>
-            <a:fld id="{4CB3653A-FA7E-4E00-8012-491145B9661B}" type="slidenum">
+            <a:fld id="{5EE4C0EC-27C2-4152-9C2A-49CDAFF0034A}" type="slidenum">
               <a:rPr lang="zh-CN" altLang="en-US" smtClean="0"/>
               <a:t>‹#›</a:t>
             </a:fld>
@@ -2014,7 +2014,7 @@
     </p:spTree>
     <p:extLst>
       <p:ext uri="{BB962C8B-B14F-4D97-AF65-F5344CB8AC3E}">
-        <p14:creationId xmlns:p14="http://schemas.microsoft.com/office/powerpoint/2010/main" val="1562534985"/>
+        <p14:creationId xmlns:p14="http://schemas.microsoft.com/office/powerpoint/2010/main" val="3791834763"/>
       </p:ext>
     </p:extLst>
   </p:cSld>
@@ -2046,7 +2046,7 @@
           <p:cNvPr id="2" name="日期占位符 1">
             <a:extLst>
               <a:ext uri="{FF2B5EF4-FFF2-40B4-BE49-F238E27FC236}">
-                <a16:creationId xmlns:a16="http://schemas.microsoft.com/office/drawing/2014/main" id="{0AC5C54D-B0D5-7EF4-9B09-E00A6B89D7B3}"/>
+                <a16:creationId xmlns:a16="http://schemas.microsoft.com/office/drawing/2014/main" id="{026F2976-69DC-28AD-E949-46D708748603}"/>
               </a:ext>
             </a:extLst>
           </p:cNvPr>
@@ -2062,7 +2062,7 @@
           <a:bodyPr/>
           <a:lstStyle/>
           <a:p>
-            <a:fld id="{B4E3C4B4-5168-437A-A3D7-CD95F237B45B}" type="datetimeFigureOut">
+            <a:fld id="{31C6EEA4-0674-4C47-BD0A-3048059AAB36}" type="datetimeFigureOut">
               <a:rPr lang="zh-CN" altLang="en-US" smtClean="0"/>
               <a:t>2024/3/10</a:t>
             </a:fld>
@@ -2075,7 +2075,7 @@
           <p:cNvPr id="3" name="页脚占位符 2">
             <a:extLst>
               <a:ext uri="{FF2B5EF4-FFF2-40B4-BE49-F238E27FC236}">
-                <a16:creationId xmlns:a16="http://schemas.microsoft.com/office/drawing/2014/main" id="{FFA63A09-C843-0CD3-4B11-CF83D3F7AC53}"/>
+                <a16:creationId xmlns:a16="http://schemas.microsoft.com/office/drawing/2014/main" id="{612A91E0-BD73-A285-472A-51F144D7B30C}"/>
               </a:ext>
             </a:extLst>
           </p:cNvPr>
@@ -2100,7 +2100,7 @@
           <p:cNvPr id="4" name="灯片编号占位符 3">
             <a:extLst>
               <a:ext uri="{FF2B5EF4-FFF2-40B4-BE49-F238E27FC236}">
-                <a16:creationId xmlns:a16="http://schemas.microsoft.com/office/drawing/2014/main" id="{9D77283D-DD27-8DAC-9AE5-E4464D28253B}"/>
+                <a16:creationId xmlns:a16="http://schemas.microsoft.com/office/drawing/2014/main" id="{10F7E9BB-140C-26B0-845A-62C937ACBE5F}"/>
               </a:ext>
             </a:extLst>
           </p:cNvPr>
@@ -2116,7 +2116,7 @@
           <a:bodyPr/>
           <a:lstStyle/>
           <a:p>
-            <a:fld id="{4CB3653A-FA7E-4E00-8012-491145B9661B}" type="slidenum">
+            <a:fld id="{5EE4C0EC-27C2-4152-9C2A-49CDAFF0034A}" type="slidenum">
               <a:rPr lang="zh-CN" altLang="en-US" smtClean="0"/>
               <a:t>‹#›</a:t>
             </a:fld>
@@ -2127,7 +2127,7 @@
     </p:spTree>
     <p:extLst>
       <p:ext uri="{BB962C8B-B14F-4D97-AF65-F5344CB8AC3E}">
-        <p14:creationId xmlns:p14="http://schemas.microsoft.com/office/powerpoint/2010/main" val="3584605478"/>
+        <p14:creationId xmlns:p14="http://schemas.microsoft.com/office/powerpoint/2010/main" val="4273923152"/>
       </p:ext>
     </p:extLst>
   </p:cSld>
@@ -2159,7 +2159,7 @@
           <p:cNvPr id="2" name="标题 1">
             <a:extLst>
               <a:ext uri="{FF2B5EF4-FFF2-40B4-BE49-F238E27FC236}">
-                <a16:creationId xmlns:a16="http://schemas.microsoft.com/office/drawing/2014/main" id="{0498DC0B-22FA-690E-AEAD-C200E7AF49F6}"/>
+                <a16:creationId xmlns:a16="http://schemas.microsoft.com/office/drawing/2014/main" id="{2B61B007-A7E8-853C-65BA-806FB52772A2}"/>
               </a:ext>
             </a:extLst>
           </p:cNvPr>
@@ -2196,7 +2196,7 @@
           <p:cNvPr id="3" name="内容占位符 2">
             <a:extLst>
               <a:ext uri="{FF2B5EF4-FFF2-40B4-BE49-F238E27FC236}">
-                <a16:creationId xmlns:a16="http://schemas.microsoft.com/office/drawing/2014/main" id="{FA0D5FE6-7629-50D0-FFE5-CE78FCC86313}"/>
+                <a16:creationId xmlns:a16="http://schemas.microsoft.com/office/drawing/2014/main" id="{E25B025A-1E83-8A40-961B-EF8407E243CC}"/>
               </a:ext>
             </a:extLst>
           </p:cNvPr>
@@ -2286,7 +2286,7 @@
           <p:cNvPr id="4" name="文本占位符 3">
             <a:extLst>
               <a:ext uri="{FF2B5EF4-FFF2-40B4-BE49-F238E27FC236}">
-                <a16:creationId xmlns:a16="http://schemas.microsoft.com/office/drawing/2014/main" id="{ABC66287-ADB3-3B8D-CD8C-3FE14C5A53C0}"/>
+                <a16:creationId xmlns:a16="http://schemas.microsoft.com/office/drawing/2014/main" id="{CC9008B5-280E-89F0-5BC0-F507D9D0F40F}"/>
               </a:ext>
             </a:extLst>
           </p:cNvPr>
@@ -2357,7 +2357,7 @@
           <p:cNvPr id="5" name="日期占位符 4">
             <a:extLst>
               <a:ext uri="{FF2B5EF4-FFF2-40B4-BE49-F238E27FC236}">
-                <a16:creationId xmlns:a16="http://schemas.microsoft.com/office/drawing/2014/main" id="{A11F2B3E-E516-74A1-F8B5-4E1F224B405E}"/>
+                <a16:creationId xmlns:a16="http://schemas.microsoft.com/office/drawing/2014/main" id="{CFDB6872-2751-FD47-44E8-06195E51B4DD}"/>
               </a:ext>
             </a:extLst>
           </p:cNvPr>
@@ -2373,7 +2373,7 @@
           <a:bodyPr/>
           <a:lstStyle/>
           <a:p>
-            <a:fld id="{B4E3C4B4-5168-437A-A3D7-CD95F237B45B}" type="datetimeFigureOut">
+            <a:fld id="{31C6EEA4-0674-4C47-BD0A-3048059AAB36}" type="datetimeFigureOut">
               <a:rPr lang="zh-CN" altLang="en-US" smtClean="0"/>
               <a:t>2024/3/10</a:t>
             </a:fld>
@@ -2386,7 +2386,7 @@
           <p:cNvPr id="6" name="页脚占位符 5">
             <a:extLst>
               <a:ext uri="{FF2B5EF4-FFF2-40B4-BE49-F238E27FC236}">
-                <a16:creationId xmlns:a16="http://schemas.microsoft.com/office/drawing/2014/main" id="{C812C344-3110-155A-2864-11441A39DAAD}"/>
+                <a16:creationId xmlns:a16="http://schemas.microsoft.com/office/drawing/2014/main" id="{A35B389E-5E02-CFE3-3CA2-9E19A6A11F1E}"/>
               </a:ext>
             </a:extLst>
           </p:cNvPr>
@@ -2411,7 +2411,7 @@
           <p:cNvPr id="7" name="灯片编号占位符 6">
             <a:extLst>
               <a:ext uri="{FF2B5EF4-FFF2-40B4-BE49-F238E27FC236}">
-                <a16:creationId xmlns:a16="http://schemas.microsoft.com/office/drawing/2014/main" id="{6B5894A3-8B65-3C37-64EB-5F1E8F46C1D1}"/>
+                <a16:creationId xmlns:a16="http://schemas.microsoft.com/office/drawing/2014/main" id="{0F69AB51-9650-E8A9-3F24-D46B9ED8ECD0}"/>
               </a:ext>
             </a:extLst>
           </p:cNvPr>
@@ -2427,7 +2427,7 @@
           <a:bodyPr/>
           <a:lstStyle/>
           <a:p>
-            <a:fld id="{4CB3653A-FA7E-4E00-8012-491145B9661B}" type="slidenum">
+            <a:fld id="{5EE4C0EC-27C2-4152-9C2A-49CDAFF0034A}" type="slidenum">
               <a:rPr lang="zh-CN" altLang="en-US" smtClean="0"/>
               <a:t>‹#›</a:t>
             </a:fld>
@@ -2438,7 +2438,7 @@
     </p:spTree>
     <p:extLst>
       <p:ext uri="{BB962C8B-B14F-4D97-AF65-F5344CB8AC3E}">
-        <p14:creationId xmlns:p14="http://schemas.microsoft.com/office/powerpoint/2010/main" val="1044743031"/>
+        <p14:creationId xmlns:p14="http://schemas.microsoft.com/office/powerpoint/2010/main" val="2788852519"/>
       </p:ext>
     </p:extLst>
   </p:cSld>
@@ -2470,7 +2470,7 @@
           <p:cNvPr id="2" name="标题 1">
             <a:extLst>
               <a:ext uri="{FF2B5EF4-FFF2-40B4-BE49-F238E27FC236}">
-                <a16:creationId xmlns:a16="http://schemas.microsoft.com/office/drawing/2014/main" id="{6D43EE26-E681-A30E-7EC5-9E75D6A36C90}"/>
+                <a16:creationId xmlns:a16="http://schemas.microsoft.com/office/drawing/2014/main" id="{92874E00-2B39-037C-D765-E1D87733852C}"/>
               </a:ext>
             </a:extLst>
           </p:cNvPr>
@@ -2507,7 +2507,7 @@
           <p:cNvPr id="3" name="图片占位符 2">
             <a:extLst>
               <a:ext uri="{FF2B5EF4-FFF2-40B4-BE49-F238E27FC236}">
-                <a16:creationId xmlns:a16="http://schemas.microsoft.com/office/drawing/2014/main" id="{4F24615A-2F96-027A-8DE9-1C708A8FF6ED}"/>
+                <a16:creationId xmlns:a16="http://schemas.microsoft.com/office/drawing/2014/main" id="{C5D21EE1-C373-5367-D6B9-5A0497C7F335}"/>
               </a:ext>
             </a:extLst>
           </p:cNvPr>
@@ -2574,7 +2574,7 @@
           <p:cNvPr id="4" name="文本占位符 3">
             <a:extLst>
               <a:ext uri="{FF2B5EF4-FFF2-40B4-BE49-F238E27FC236}">
-                <a16:creationId xmlns:a16="http://schemas.microsoft.com/office/drawing/2014/main" id="{4540F880-C8D6-8F54-CAD3-EC7C6B2E7AF1}"/>
+                <a16:creationId xmlns:a16="http://schemas.microsoft.com/office/drawing/2014/main" id="{2FE3D27D-AD59-F9E4-178B-F4A69AD656B6}"/>
               </a:ext>
             </a:extLst>
           </p:cNvPr>
@@ -2645,7 +2645,7 @@
           <p:cNvPr id="5" name="日期占位符 4">
             <a:extLst>
               <a:ext uri="{FF2B5EF4-FFF2-40B4-BE49-F238E27FC236}">
-                <a16:creationId xmlns:a16="http://schemas.microsoft.com/office/drawing/2014/main" id="{CE671CCA-576A-4696-0FE3-D7841F8715F0}"/>
+                <a16:creationId xmlns:a16="http://schemas.microsoft.com/office/drawing/2014/main" id="{65C77C7B-8832-185B-1228-F9AE3BBD39A2}"/>
               </a:ext>
             </a:extLst>
           </p:cNvPr>
@@ -2661,7 +2661,7 @@
           <a:bodyPr/>
           <a:lstStyle/>
           <a:p>
-            <a:fld id="{B4E3C4B4-5168-437A-A3D7-CD95F237B45B}" type="datetimeFigureOut">
+            <a:fld id="{31C6EEA4-0674-4C47-BD0A-3048059AAB36}" type="datetimeFigureOut">
               <a:rPr lang="zh-CN" altLang="en-US" smtClean="0"/>
               <a:t>2024/3/10</a:t>
             </a:fld>
@@ -2674,7 +2674,7 @@
           <p:cNvPr id="6" name="页脚占位符 5">
             <a:extLst>
               <a:ext uri="{FF2B5EF4-FFF2-40B4-BE49-F238E27FC236}">
-                <a16:creationId xmlns:a16="http://schemas.microsoft.com/office/drawing/2014/main" id="{ABDE9E84-A757-F855-12D4-1D8410DBE081}"/>
+                <a16:creationId xmlns:a16="http://schemas.microsoft.com/office/drawing/2014/main" id="{4CB25F04-122E-839F-3274-107FAAD66885}"/>
               </a:ext>
             </a:extLst>
           </p:cNvPr>
@@ -2699,7 +2699,7 @@
           <p:cNvPr id="7" name="灯片编号占位符 6">
             <a:extLst>
               <a:ext uri="{FF2B5EF4-FFF2-40B4-BE49-F238E27FC236}">
-                <a16:creationId xmlns:a16="http://schemas.microsoft.com/office/drawing/2014/main" id="{A9B1BC33-EE52-73DF-53E6-FACEB476528B}"/>
+                <a16:creationId xmlns:a16="http://schemas.microsoft.com/office/drawing/2014/main" id="{0CB51BFD-A85B-7D0E-F930-A92DA35498D0}"/>
               </a:ext>
             </a:extLst>
           </p:cNvPr>
@@ -2715,7 +2715,7 @@
           <a:bodyPr/>
           <a:lstStyle/>
           <a:p>
-            <a:fld id="{4CB3653A-FA7E-4E00-8012-491145B9661B}" type="slidenum">
+            <a:fld id="{5EE4C0EC-27C2-4152-9C2A-49CDAFF0034A}" type="slidenum">
               <a:rPr lang="zh-CN" altLang="en-US" smtClean="0"/>
               <a:t>‹#›</a:t>
             </a:fld>
@@ -2726,7 +2726,7 @@
     </p:spTree>
     <p:extLst>
       <p:ext uri="{BB962C8B-B14F-4D97-AF65-F5344CB8AC3E}">
-        <p14:creationId xmlns:p14="http://schemas.microsoft.com/office/powerpoint/2010/main" val="3856352907"/>
+        <p14:creationId xmlns:p14="http://schemas.microsoft.com/office/powerpoint/2010/main" val="3382785304"/>
       </p:ext>
     </p:extLst>
   </p:cSld>
@@ -2763,7 +2763,7 @@
           <p:cNvPr id="2" name="标题占位符 1">
             <a:extLst>
               <a:ext uri="{FF2B5EF4-FFF2-40B4-BE49-F238E27FC236}">
-                <a16:creationId xmlns:a16="http://schemas.microsoft.com/office/drawing/2014/main" id="{A44FD02B-107F-6784-E766-5BA74B6B2959}"/>
+                <a16:creationId xmlns:a16="http://schemas.microsoft.com/office/drawing/2014/main" id="{C1D2630A-5AB1-15A5-F0CA-F40089F4D790}"/>
               </a:ext>
             </a:extLst>
           </p:cNvPr>
@@ -2801,7 +2801,7 @@
           <p:cNvPr id="3" name="文本占位符 2">
             <a:extLst>
               <a:ext uri="{FF2B5EF4-FFF2-40B4-BE49-F238E27FC236}">
-                <a16:creationId xmlns:a16="http://schemas.microsoft.com/office/drawing/2014/main" id="{4506CDAD-7026-2B62-30D7-9166A898C321}"/>
+                <a16:creationId xmlns:a16="http://schemas.microsoft.com/office/drawing/2014/main" id="{003DF12A-02CC-ACCA-92C0-FF597376785C}"/>
               </a:ext>
             </a:extLst>
           </p:cNvPr>
@@ -2868,7 +2868,7 @@
           <p:cNvPr id="4" name="日期占位符 3">
             <a:extLst>
               <a:ext uri="{FF2B5EF4-FFF2-40B4-BE49-F238E27FC236}">
-                <a16:creationId xmlns:a16="http://schemas.microsoft.com/office/drawing/2014/main" id="{8419B3E4-4607-D941-D285-D3D2E72552BA}"/>
+                <a16:creationId xmlns:a16="http://schemas.microsoft.com/office/drawing/2014/main" id="{B75C020A-045D-A185-3FC3-A91930BC02AC}"/>
               </a:ext>
             </a:extLst>
           </p:cNvPr>
@@ -2902,7 +2902,7 @@
             </a:lvl1pPr>
           </a:lstStyle>
           <a:p>
-            <a:fld id="{B4E3C4B4-5168-437A-A3D7-CD95F237B45B}" type="datetimeFigureOut">
+            <a:fld id="{31C6EEA4-0674-4C47-BD0A-3048059AAB36}" type="datetimeFigureOut">
               <a:rPr lang="zh-CN" altLang="en-US" smtClean="0"/>
               <a:t>2024/3/10</a:t>
             </a:fld>
@@ -2915,7 +2915,7 @@
           <p:cNvPr id="5" name="页脚占位符 4">
             <a:extLst>
               <a:ext uri="{FF2B5EF4-FFF2-40B4-BE49-F238E27FC236}">
-                <a16:creationId xmlns:a16="http://schemas.microsoft.com/office/drawing/2014/main" id="{18AEB9B9-82F1-F9D3-3006-387CAAEE21F2}"/>
+                <a16:creationId xmlns:a16="http://schemas.microsoft.com/office/drawing/2014/main" id="{6D6BC525-F920-B4BA-D9B9-C040BD5377EB}"/>
               </a:ext>
             </a:extLst>
           </p:cNvPr>
@@ -2958,7 +2958,7 @@
           <p:cNvPr id="6" name="灯片编号占位符 5">
             <a:extLst>
               <a:ext uri="{FF2B5EF4-FFF2-40B4-BE49-F238E27FC236}">
-                <a16:creationId xmlns:a16="http://schemas.microsoft.com/office/drawing/2014/main" id="{5DFCC636-2F44-84BB-FBF9-097827A4756D}"/>
+                <a16:creationId xmlns:a16="http://schemas.microsoft.com/office/drawing/2014/main" id="{EE9FCB92-581E-949F-2AFC-7379AEC299C7}"/>
               </a:ext>
             </a:extLst>
           </p:cNvPr>
@@ -2992,7 +2992,7 @@
             </a:lvl1pPr>
           </a:lstStyle>
           <a:p>
-            <a:fld id="{4CB3653A-FA7E-4E00-8012-491145B9661B}" type="slidenum">
+            <a:fld id="{5EE4C0EC-27C2-4152-9C2A-49CDAFF0034A}" type="slidenum">
               <a:rPr lang="zh-CN" altLang="en-US" smtClean="0"/>
               <a:t>‹#›</a:t>
             </a:fld>
@@ -3003,7 +3003,7 @@
     </p:spTree>
     <p:extLst>
       <p:ext uri="{BB962C8B-B14F-4D97-AF65-F5344CB8AC3E}">
-        <p14:creationId xmlns:p14="http://schemas.microsoft.com/office/powerpoint/2010/main" val="3188537179"/>
+        <p14:creationId xmlns:p14="http://schemas.microsoft.com/office/powerpoint/2010/main" val="3513404344"/>
       </p:ext>
     </p:extLst>
   </p:cSld>
@@ -3323,7 +3323,7 @@
       </p:grpSpPr>
       <p:pic>
         <p:nvPicPr>
-          <p:cNvPr id="951298" name="Picture 2" descr="928"/>
+          <p:cNvPr id="952322" name="Picture 2" descr="929"/>
           <p:cNvPicPr>
             <a:picLocks noChangeAspect="1" noChangeArrowheads="1"/>
           </p:cNvPicPr>
@@ -3344,8 +3344,8 @@
         </p:blipFill>
         <p:spPr bwMode="auto">
           <a:xfrm>
-            <a:off x="1543050" y="14288"/>
-            <a:ext cx="9124950" cy="6843712"/>
+            <a:off x="1524000" y="0"/>
+            <a:ext cx="9144000" cy="6858000"/>
           </a:xfrm>
           <a:prstGeom prst="rect">
             <a:avLst/>
@@ -3375,11 +3375,158 @@
           </a:extLst>
         </p:spPr>
       </p:pic>
+      <p:pic>
+        <p:nvPicPr>
+          <p:cNvPr id="953347" name="Picture 3" descr="929-2"/>
+          <p:cNvPicPr>
+            <a:picLocks noChangeAspect="1" noChangeArrowheads="1"/>
+          </p:cNvPicPr>
+          <p:nvPr/>
+        </p:nvPicPr>
+        <p:blipFill>
+          <a:blip r:embed="rId3">
+            <a:extLst>
+              <a:ext uri="{28A0092B-C50C-407E-A947-70E740481C1C}">
+                <a14:useLocalDpi xmlns:a14="http://schemas.microsoft.com/office/drawing/2010/main" val="0"/>
+              </a:ext>
+            </a:extLst>
+          </a:blip>
+          <a:srcRect/>
+          <a:stretch>
+            <a:fillRect/>
+          </a:stretch>
+        </p:blipFill>
+        <p:spPr bwMode="auto">
+          <a:xfrm>
+            <a:off x="1524001" y="0"/>
+            <a:ext cx="9053513" cy="6859588"/>
+          </a:xfrm>
+          <a:prstGeom prst="rect">
+            <a:avLst/>
+          </a:prstGeom>
+          <a:noFill/>
+          <a:ln>
+            <a:noFill/>
+          </a:ln>
+          <a:effectLst/>
+          <a:extLst>
+            <a:ext uri="{909E8E84-426E-40DD-AFC4-6F175D3DCCD1}">
+              <a14:hiddenFill xmlns:a14="http://schemas.microsoft.com/office/drawing/2010/main">
+                <a:solidFill>
+                  <a:srgbClr val="FFFFFF"/>
+                </a:solidFill>
+              </a14:hiddenFill>
+            </a:ext>
+            <a:ext uri="{91240B29-F687-4F45-9708-019B960494DF}">
+              <a14:hiddenLine xmlns:a14="http://schemas.microsoft.com/office/drawing/2010/main" w="9525">
+                <a:solidFill>
+                  <a:srgbClr val="000000"/>
+                </a:solidFill>
+                <a:miter lim="800000"/>
+                <a:headEnd/>
+                <a:tailEnd/>
+              </a14:hiddenLine>
+            </a:ext>
+            <a:ext uri="{AF507438-7753-43E0-B8FC-AC1667EBCBE1}">
+              <a14:hiddenEffects xmlns:a14="http://schemas.microsoft.com/office/drawing/2010/main">
+                <a:effectLst>
+                  <a:outerShdw dist="35921" dir="2700000" algn="ctr" rotWithShape="0">
+                    <a:srgbClr val="808080"/>
+                  </a:outerShdw>
+                </a:effectLst>
+              </a14:hiddenEffects>
+            </a:ext>
+          </a:extLst>
+        </p:spPr>
+      </p:pic>
     </p:spTree>
   </p:cSld>
   <p:clrMapOvr>
     <a:masterClrMapping/>
   </p:clrMapOvr>
+  <p:timing>
+    <p:tnLst>
+      <p:par>
+        <p:cTn id="1" dur="indefinite" restart="never" nodeType="tmRoot">
+          <p:childTnLst>
+            <p:seq concurrent="1" nextAc="seek">
+              <p:cTn id="2" dur="indefinite" nodeType="mainSeq">
+                <p:childTnLst>
+                  <p:par>
+                    <p:cTn id="3" fill="hold" nodeType="clickPar">
+                      <p:stCondLst>
+                        <p:cond delay="indefinite"/>
+                      </p:stCondLst>
+                      <p:childTnLst>
+                        <p:par>
+                          <p:cTn id="4" fill="hold" nodeType="withGroup">
+                            <p:stCondLst>
+                              <p:cond delay="0"/>
+                            </p:stCondLst>
+                            <p:childTnLst>
+                              <p:par>
+                                <p:cTn id="5" presetID="10" presetClass="entr" presetSubtype="0" fill="hold" nodeType="clickEffect">
+                                  <p:stCondLst>
+                                    <p:cond delay="0"/>
+                                  </p:stCondLst>
+                                  <p:childTnLst>
+                                    <p:set>
+                                      <p:cBhvr>
+                                        <p:cTn id="6" dur="1" fill="hold">
+                                          <p:stCondLst>
+                                            <p:cond delay="0"/>
+                                          </p:stCondLst>
+                                        </p:cTn>
+                                        <p:tgtEl>
+                                          <p:spTgt spid="953347"/>
+                                        </p:tgtEl>
+                                        <p:attrNameLst>
+                                          <p:attrName>style.visibility</p:attrName>
+                                        </p:attrNameLst>
+                                      </p:cBhvr>
+                                      <p:to>
+                                        <p:strVal val="visible"/>
+                                      </p:to>
+                                    </p:set>
+                                    <p:animEffect transition="in" filter="fade">
+                                      <p:cBhvr>
+                                        <p:cTn id="7" dur="500"/>
+                                        <p:tgtEl>
+                                          <p:spTgt spid="953347"/>
+                                        </p:tgtEl>
+                                      </p:cBhvr>
+                                    </p:animEffect>
+                                  </p:childTnLst>
+                                </p:cTn>
+                              </p:par>
+                            </p:childTnLst>
+                          </p:cTn>
+                        </p:par>
+                      </p:childTnLst>
+                    </p:cTn>
+                  </p:par>
+                </p:childTnLst>
+              </p:cTn>
+              <p:prevCondLst>
+                <p:cond evt="onPrev" delay="0">
+                  <p:tgtEl>
+                    <p:sldTgt/>
+                  </p:tgtEl>
+                </p:cond>
+              </p:prevCondLst>
+              <p:nextCondLst>
+                <p:cond evt="onNext" delay="0">
+                  <p:tgtEl>
+                    <p:sldTgt/>
+                  </p:tgtEl>
+                </p:cond>
+              </p:nextCondLst>
+            </p:seq>
+          </p:childTnLst>
+        </p:cTn>
+      </p:par>
+    </p:tnLst>
+  </p:timing>
 </p:sld>
 </file>
 
